--- a/03_testing_fundamentals.pptx
+++ b/03_testing_fundamentals.pptx
@@ -23,7 +23,6 @@
     <p:sldId id="270" r:id="rId18"/>
     <p:sldId id="271" r:id="rId19"/>
     <p:sldId id="272" r:id="rId20"/>
-    <p:sldId id="273" r:id="rId21"/>
   </p:sldIdLst>
   <p:sldSz cx="9144000" cy="6858000"/>
   <p:notesSz cx="7559675" cy="10691812"/>
@@ -2766,7 +2765,7 @@
         <p:spPr>
           <a:xfrm>
             <a:off x="685800" y="2130480"/>
-            <a:ext cx="7770240" cy="1467720"/>
+            <a:ext cx="7769880" cy="1467360"/>
           </a:xfrm>
           <a:prstGeom prst="rect">
             <a:avLst/>
@@ -2813,7 +2812,7 @@
         <p:spPr>
           <a:xfrm>
             <a:off x="1371600" y="3886200"/>
-            <a:ext cx="6398640" cy="683640"/>
+            <a:ext cx="6398280" cy="683280"/>
           </a:xfrm>
           <a:prstGeom prst="rect">
             <a:avLst/>
@@ -2909,7 +2908,7 @@
         <p:spPr>
           <a:xfrm>
             <a:off x="0" y="685800"/>
-            <a:ext cx="9065520" cy="1140840"/>
+            <a:ext cx="9065160" cy="1140480"/>
           </a:xfrm>
           <a:prstGeom prst="rect">
             <a:avLst/>
@@ -2976,7 +2975,7 @@
         <p:spPr>
           <a:xfrm>
             <a:off x="762120" y="2016000"/>
-            <a:ext cx="7846560" cy="3886560"/>
+            <a:ext cx="7846200" cy="3886200"/>
           </a:xfrm>
           <a:prstGeom prst="rect">
             <a:avLst/>
@@ -3002,7 +3001,7 @@
         <p:spPr>
           <a:xfrm>
             <a:off x="361080" y="1872000"/>
-            <a:ext cx="8854200" cy="5057640"/>
+            <a:ext cx="8853840" cy="5057280"/>
           </a:xfrm>
           <a:prstGeom prst="rect">
             <a:avLst/>
@@ -3165,7 +3164,7 @@
         <p:spPr>
           <a:xfrm>
             <a:off x="0" y="685800"/>
-            <a:ext cx="9065520" cy="1140840"/>
+            <a:ext cx="9065160" cy="1140480"/>
           </a:xfrm>
           <a:prstGeom prst="rect">
             <a:avLst/>
@@ -3232,7 +3231,7 @@
         <p:spPr>
           <a:xfrm>
             <a:off x="762120" y="2016000"/>
-            <a:ext cx="7846560" cy="3886560"/>
+            <a:ext cx="7846200" cy="3886200"/>
           </a:xfrm>
           <a:prstGeom prst="rect">
             <a:avLst/>
@@ -3258,7 +3257,7 @@
         <p:spPr>
           <a:xfrm>
             <a:off x="361080" y="1872000"/>
-            <a:ext cx="8854200" cy="3567240"/>
+            <a:ext cx="8853840" cy="3566880"/>
           </a:xfrm>
           <a:prstGeom prst="rect">
             <a:avLst/>
@@ -3356,7 +3355,7 @@
         <p:spPr>
           <a:xfrm>
             <a:off x="4680000" y="3564720"/>
-            <a:ext cx="3967200" cy="2554560"/>
+            <a:ext cx="3966840" cy="2554200"/>
           </a:xfrm>
           <a:prstGeom prst="rect">
             <a:avLst/>
@@ -3424,7 +3423,7 @@
         <p:spPr>
           <a:xfrm>
             <a:off x="0" y="685800"/>
-            <a:ext cx="9065520" cy="1140840"/>
+            <a:ext cx="9065160" cy="1140480"/>
           </a:xfrm>
           <a:prstGeom prst="rect">
             <a:avLst/>
@@ -3491,7 +3490,7 @@
         <p:spPr>
           <a:xfrm>
             <a:off x="762120" y="2016000"/>
-            <a:ext cx="7846560" cy="3886560"/>
+            <a:ext cx="7846200" cy="3886200"/>
           </a:xfrm>
           <a:prstGeom prst="rect">
             <a:avLst/>
@@ -3517,7 +3516,7 @@
         <p:spPr>
           <a:xfrm>
             <a:off x="361080" y="1872000"/>
-            <a:ext cx="8854200" cy="4560840"/>
+            <a:ext cx="8853840" cy="4560480"/>
           </a:xfrm>
           <a:prstGeom prst="rect">
             <a:avLst/>
@@ -3680,7 +3679,7 @@
         <p:spPr>
           <a:xfrm>
             <a:off x="0" y="685800"/>
-            <a:ext cx="9065520" cy="1140840"/>
+            <a:ext cx="9065160" cy="1140480"/>
           </a:xfrm>
           <a:prstGeom prst="rect">
             <a:avLst/>
@@ -3747,7 +3746,7 @@
         <p:spPr>
           <a:xfrm>
             <a:off x="762120" y="2016000"/>
-            <a:ext cx="7846560" cy="3886560"/>
+            <a:ext cx="7846200" cy="3886200"/>
           </a:xfrm>
           <a:prstGeom prst="rect">
             <a:avLst/>
@@ -3773,7 +3772,7 @@
         <p:spPr>
           <a:xfrm>
             <a:off x="361080" y="1872000"/>
-            <a:ext cx="8854200" cy="4064040"/>
+            <a:ext cx="8853840" cy="4063680"/>
           </a:xfrm>
           <a:prstGeom prst="rect">
             <a:avLst/>
@@ -3936,7 +3935,7 @@
         <p:spPr>
           <a:xfrm>
             <a:off x="0" y="685800"/>
-            <a:ext cx="9065520" cy="1140840"/>
+            <a:ext cx="9065160" cy="1140480"/>
           </a:xfrm>
           <a:prstGeom prst="rect">
             <a:avLst/>
@@ -4003,7 +4002,7 @@
         <p:spPr>
           <a:xfrm>
             <a:off x="762120" y="2016000"/>
-            <a:ext cx="7846560" cy="3886560"/>
+            <a:ext cx="7846200" cy="3886200"/>
           </a:xfrm>
           <a:prstGeom prst="rect">
             <a:avLst/>
@@ -4029,7 +4028,7 @@
         <p:spPr>
           <a:xfrm>
             <a:off x="361080" y="1872000"/>
-            <a:ext cx="8854200" cy="2573640"/>
+            <a:ext cx="8853840" cy="2573280"/>
           </a:xfrm>
           <a:prstGeom prst="rect">
             <a:avLst/>
@@ -4156,7 +4155,7 @@
         <p:spPr>
           <a:xfrm>
             <a:off x="0" y="685800"/>
-            <a:ext cx="9065520" cy="1140840"/>
+            <a:ext cx="9065160" cy="1140480"/>
           </a:xfrm>
           <a:prstGeom prst="rect">
             <a:avLst/>
@@ -4223,7 +4222,7 @@
         <p:spPr>
           <a:xfrm>
             <a:off x="762120" y="2016000"/>
-            <a:ext cx="7846560" cy="3886560"/>
+            <a:ext cx="7846200" cy="3886200"/>
           </a:xfrm>
           <a:prstGeom prst="rect">
             <a:avLst/>
@@ -4249,7 +4248,7 @@
         <p:spPr>
           <a:xfrm>
             <a:off x="361080" y="1872000"/>
-            <a:ext cx="8854200" cy="2573640"/>
+            <a:ext cx="8853840" cy="3070080"/>
           </a:xfrm>
           <a:prstGeom prst="rect">
             <a:avLst/>
@@ -4274,7 +4273,7 @@
               </a:lnSpc>
               <a:buSzPct val="45000"/>
               <a:buFont typeface="StarSymbol"/>
-              <a:buChar char=""/>
+              <a:buChar char="l"/>
             </a:pPr>
             <a:r>
               <a:rPr lang="en-GB" sz="3200" strike="noStrike">
@@ -4284,7 +4283,7 @@
                 <a:latin typeface="Calibri"/>
                 <a:ea typeface="DejaVu Sans"/>
               </a:rPr>
-              <a:t>7. Тестването е зависимо от контекста:</a:t>
+              <a:t>7. Без-дефектен провал:</a:t>
             </a:r>
             <a:endParaRPr/>
           </a:p>
@@ -4304,7 +4303,7 @@
                 <a:latin typeface="Calibri"/>
                 <a:ea typeface="DejaVu Sans"/>
               </a:rPr>
-              <a:t>- Различните софтуерни продукти, се тестват по-различен начин в зависимост от тяхното предназначение, важност и д.р.</a:t>
+              <a:t>- Когато изградената система е нестабилна, неизползваема или не покрива клиентските изисквания, търсенето и поправянето на бъгове няма да помогне.</a:t>
             </a:r>
             <a:endParaRPr/>
           </a:p>
@@ -4375,8 +4374,8 @@
         </p:nvSpPr>
         <p:spPr>
           <a:xfrm>
-            <a:off x="0" y="685800"/>
-            <a:ext cx="9065520" cy="1140840"/>
+            <a:off x="838080" y="685800"/>
+            <a:ext cx="8227080" cy="1140480"/>
           </a:xfrm>
           <a:prstGeom prst="rect">
             <a:avLst/>
@@ -4408,27 +4407,7 @@
                 <a:latin typeface="Calibri"/>
                 <a:ea typeface="DejaVu Sans"/>
               </a:rPr>
-              <a:t>	</a:t>
-            </a:r>
-            <a:r>
-              <a:rPr lang="en-GB" sz="4400" strike="noStrike">
-                <a:solidFill>
-                  <a:srgbClr val="f79646"/>
-                </a:solidFill>
-                <a:latin typeface="Calibri"/>
-                <a:ea typeface="DejaVu Sans"/>
-              </a:rPr>
-              <a:t>	</a:t>
-            </a:r>
-            <a:r>
-              <a:rPr lang="en-GB" sz="4400" strike="noStrike">
-                <a:solidFill>
-                  <a:srgbClr val="f79646"/>
-                </a:solidFill>
-                <a:latin typeface="Calibri"/>
-                <a:ea typeface="DejaVu Sans"/>
-              </a:rPr>
-              <a:t>Седем принципа на тестването</a:t>
+              <a:t>Въпроси</a:t>
             </a:r>
             <a:endParaRPr/>
           </a:p>
@@ -4442,8 +4421,8 @@
         </p:nvSpPr>
         <p:spPr>
           <a:xfrm>
-            <a:off x="762120" y="2016000"/>
-            <a:ext cx="7846560" cy="3886560"/>
+            <a:off x="762120" y="1676520"/>
+            <a:ext cx="7617600" cy="4523400"/>
           </a:xfrm>
           <a:prstGeom prst="rect">
             <a:avLst/>
@@ -4459,85 +4438,65 @@
           <a:effectRef idx="0"/>
           <a:fontRef idx="minor"/>
         </p:style>
-      </p:sp>
-      <p:sp>
-        <p:nvSpPr>
-          <p:cNvPr id="117" name="CustomShape 3"/>
-          <p:cNvSpPr/>
+        <p:txBody>
+          <a:bodyPr lIns="90000" rIns="90000" tIns="45000" bIns="45000"/>
+          <a:p>
+            <a:pPr>
+              <a:lnSpc>
+                <a:spcPct val="100000"/>
+              </a:lnSpc>
+            </a:pPr>
+            <a:endParaRPr/>
+          </a:p>
+          <a:p>
+            <a:pPr>
+              <a:lnSpc>
+                <a:spcPct val="100000"/>
+              </a:lnSpc>
+            </a:pPr>
+            <a:endParaRPr/>
+          </a:p>
+          <a:p>
+            <a:pPr>
+              <a:lnSpc>
+                <a:spcPct val="100000"/>
+              </a:lnSpc>
+            </a:pPr>
+            <a:endParaRPr/>
+          </a:p>
+          <a:p>
+            <a:pPr>
+              <a:lnSpc>
+                <a:spcPct val="100000"/>
+              </a:lnSpc>
+            </a:pPr>
+            <a:endParaRPr/>
+          </a:p>
+        </p:txBody>
+      </p:sp>
+      <p:pic>
+        <p:nvPicPr>
+          <p:cNvPr id="117" name="Picture 3" descr=""/>
+          <p:cNvPicPr/>
           <p:nvPr/>
-        </p:nvSpPr>
-        <p:spPr>
-          <a:xfrm>
-            <a:off x="361080" y="1872000"/>
-            <a:ext cx="8854200" cy="3070440"/>
-          </a:xfrm>
-          <a:prstGeom prst="rect">
-            <a:avLst/>
-          </a:prstGeom>
-          <a:noFill/>
+        </p:nvPicPr>
+        <p:blipFill>
+          <a:blip r:embed="rId1"/>
+          <a:stretch/>
+        </p:blipFill>
+        <p:spPr>
+          <a:xfrm>
+            <a:off x="3505320" y="2057400"/>
+            <a:ext cx="2416680" cy="2416680"/>
+          </a:xfrm>
+          <a:prstGeom prst="rect">
+            <a:avLst/>
+          </a:prstGeom>
           <a:ln>
             <a:noFill/>
           </a:ln>
         </p:spPr>
-        <p:style>
-          <a:lnRef idx="0"/>
-          <a:fillRef idx="0"/>
-          <a:effectRef idx="0"/>
-          <a:fontRef idx="minor"/>
-        </p:style>
-        <p:txBody>
-          <a:bodyPr lIns="90000" rIns="90000" tIns="45000" bIns="45000"/>
-          <a:p>
-            <a:pPr>
-              <a:lnSpc>
-                <a:spcPct val="100000"/>
-              </a:lnSpc>
-              <a:buSzPct val="45000"/>
-              <a:buFont typeface="StarSymbol"/>
-              <a:buChar char="l"/>
-            </a:pPr>
-            <a:r>
-              <a:rPr lang="en-GB" sz="3200" strike="noStrike">
-                <a:solidFill>
-                  <a:srgbClr val="f2f2f2"/>
-                </a:solidFill>
-                <a:latin typeface="Calibri"/>
-                <a:ea typeface="DejaVu Sans"/>
-              </a:rPr>
-              <a:t>7. Без-дефектен провал:</a:t>
-            </a:r>
-            <a:endParaRPr/>
-          </a:p>
-          <a:p>
-            <a:pPr lvl="1">
-              <a:lnSpc>
-                <a:spcPct val="100000"/>
-              </a:lnSpc>
-              <a:buFont typeface="Liberation Serif"/>
-              <a:buAutoNum type="arabicPeriod"/>
-            </a:pPr>
-            <a:r>
-              <a:rPr lang="en-GB" sz="3200" strike="noStrike">
-                <a:solidFill>
-                  <a:srgbClr val="f2f2f2"/>
-                </a:solidFill>
-                <a:latin typeface="Calibri"/>
-                <a:ea typeface="DejaVu Sans"/>
-              </a:rPr>
-              <a:t>- Когато изградената система е нестабилна, неизползваема или не покрива клиентските изисквания, търсенето и поправянето на бъгове няма да помогне.</a:t>
-            </a:r>
-            <a:endParaRPr/>
-          </a:p>
-          <a:p>
-            <a:pPr>
-              <a:lnSpc>
-                <a:spcPct val="100000"/>
-              </a:lnSpc>
-            </a:pPr>
-            <a:endParaRPr/>
-          </a:p>
-        </p:txBody>
-      </p:sp>
+      </p:pic>
     </p:spTree>
   </p:cSld>
   <p:timing>
@@ -4595,8 +4554,8 @@
         </p:nvSpPr>
         <p:spPr>
           <a:xfrm>
-            <a:off x="838080" y="685800"/>
-            <a:ext cx="8227440" cy="1140840"/>
+            <a:off x="0" y="685800"/>
+            <a:ext cx="9065160" cy="1140480"/>
           </a:xfrm>
           <a:prstGeom prst="rect">
             <a:avLst/>
@@ -4628,7 +4587,27 @@
                 <a:latin typeface="Calibri"/>
                 <a:ea typeface="DejaVu Sans"/>
               </a:rPr>
-              <a:t>Въпроси</a:t>
+              <a:t>	</a:t>
+            </a:r>
+            <a:r>
+              <a:rPr lang="en-GB" sz="4400" strike="noStrike">
+                <a:solidFill>
+                  <a:srgbClr val="f79646"/>
+                </a:solidFill>
+                <a:latin typeface="Calibri"/>
+                <a:ea typeface="DejaVu Sans"/>
+              </a:rPr>
+              <a:t>	</a:t>
+            </a:r>
+            <a:r>
+              <a:rPr lang="en-GB" sz="4400" strike="noStrike">
+                <a:solidFill>
+                  <a:srgbClr val="f79646"/>
+                </a:solidFill>
+                <a:latin typeface="Calibri"/>
+                <a:ea typeface="DejaVu Sans"/>
+              </a:rPr>
+              <a:t>Домашна работа:</a:t>
             </a:r>
             <a:endParaRPr/>
           </a:p>
@@ -4642,8 +4621,8 @@
         </p:nvSpPr>
         <p:spPr>
           <a:xfrm>
-            <a:off x="762120" y="1676520"/>
-            <a:ext cx="7617960" cy="4523760"/>
+            <a:off x="762120" y="2016000"/>
+            <a:ext cx="7846200" cy="3886200"/>
           </a:xfrm>
           <a:prstGeom prst="rect">
             <a:avLst/>
@@ -4659,65 +4638,86 @@
           <a:effectRef idx="0"/>
           <a:fontRef idx="minor"/>
         </p:style>
-        <p:txBody>
-          <a:bodyPr lIns="90000" rIns="90000" tIns="45000" bIns="45000"/>
-          <a:p>
-            <a:pPr>
-              <a:lnSpc>
-                <a:spcPct val="100000"/>
-              </a:lnSpc>
-            </a:pPr>
-            <a:endParaRPr/>
-          </a:p>
-          <a:p>
-            <a:pPr>
-              <a:lnSpc>
-                <a:spcPct val="100000"/>
-              </a:lnSpc>
-            </a:pPr>
-            <a:endParaRPr/>
-          </a:p>
-          <a:p>
-            <a:pPr>
-              <a:lnSpc>
-                <a:spcPct val="100000"/>
-              </a:lnSpc>
-            </a:pPr>
-            <a:endParaRPr/>
-          </a:p>
-          <a:p>
-            <a:pPr>
-              <a:lnSpc>
-                <a:spcPct val="100000"/>
-              </a:lnSpc>
-            </a:pPr>
-            <a:endParaRPr/>
-          </a:p>
-        </p:txBody>
-      </p:sp>
-      <p:pic>
-        <p:nvPicPr>
-          <p:cNvPr id="120" name="Picture 3" descr=""/>
-          <p:cNvPicPr/>
+      </p:sp>
+      <p:sp>
+        <p:nvSpPr>
+          <p:cNvPr id="120" name="CustomShape 3"/>
+          <p:cNvSpPr/>
           <p:nvPr/>
-        </p:nvPicPr>
-        <p:blipFill>
-          <a:blip r:embed="rId1"/>
-          <a:stretch/>
-        </p:blipFill>
-        <p:spPr>
-          <a:xfrm>
-            <a:off x="3505320" y="2057400"/>
-            <a:ext cx="2417040" cy="2417040"/>
-          </a:xfrm>
-          <a:prstGeom prst="rect">
-            <a:avLst/>
-          </a:prstGeom>
+        </p:nvSpPr>
+        <p:spPr>
+          <a:xfrm>
+            <a:off x="361080" y="1872000"/>
+            <a:ext cx="8853840" cy="3070080"/>
+          </a:xfrm>
+          <a:prstGeom prst="rect">
+            <a:avLst/>
+          </a:prstGeom>
+          <a:noFill/>
           <a:ln>
             <a:noFill/>
           </a:ln>
         </p:spPr>
-      </p:pic>
+        <p:style>
+          <a:lnRef idx="0"/>
+          <a:fillRef idx="0"/>
+          <a:effectRef idx="0"/>
+          <a:fontRef idx="minor"/>
+        </p:style>
+        <p:txBody>
+          <a:bodyPr lIns="90000" rIns="90000" tIns="45000" bIns="45000"/>
+          <a:p>
+            <a:pPr>
+              <a:lnSpc>
+                <a:spcPct val="100000"/>
+              </a:lnSpc>
+              <a:buSzPct val="45000"/>
+              <a:buFont typeface="StarSymbol"/>
+              <a:buChar char="l"/>
+            </a:pPr>
+            <a:r>
+              <a:rPr lang="en-GB" sz="3200" strike="noStrike">
+                <a:solidFill>
+                  <a:srgbClr val="f2f2f2"/>
+                </a:solidFill>
+                <a:latin typeface="Calibri"/>
+                <a:ea typeface="DejaVu Sans"/>
+              </a:rPr>
+              <a:t>Проверете в Google “worst software bugs”.</a:t>
+            </a:r>
+            <a:endParaRPr/>
+          </a:p>
+          <a:p>
+            <a:pPr>
+              <a:lnSpc>
+                <a:spcPct val="100000"/>
+              </a:lnSpc>
+              <a:buSzPct val="45000"/>
+              <a:buFont typeface="StarSymbol"/>
+              <a:buChar char="l"/>
+            </a:pPr>
+            <a:r>
+              <a:rPr lang="en-GB" sz="3200" strike="noStrike">
+                <a:solidFill>
+                  <a:srgbClr val="f2f2f2"/>
+                </a:solidFill>
+                <a:latin typeface="Calibri"/>
+                <a:ea typeface="DejaVu Sans"/>
+              </a:rPr>
+              <a:t>Намерете 3 бъга по-ваше желание, и преценете кои от седемте принципа на тестването биха могли да доведат до тяхното допускане.</a:t>
+            </a:r>
+            <a:endParaRPr/>
+          </a:p>
+          <a:p>
+            <a:pPr>
+              <a:lnSpc>
+                <a:spcPct val="100000"/>
+              </a:lnSpc>
+            </a:pPr>
+            <a:endParaRPr/>
+          </a:p>
+        </p:txBody>
+      </p:sp>
     </p:spTree>
   </p:cSld>
   <p:timing>
@@ -4727,227 +4727,6 @@
           <p:childTnLst>
             <p:seq>
               <p:cTn id="34" nodeType="mainSeq"/>
-              <p:prevCondLst>
-                <p:cond delay="0" evt="onPrev">
-                  <p:tgtEl>
-                    <p:sldTgt/>
-                  </p:tgtEl>
-                </p:cond>
-              </p:prevCondLst>
-              <p:nextCondLst>
-                <p:cond delay="0" evt="onNext">
-                  <p:tgtEl>
-                    <p:sldTgt/>
-                  </p:tgtEl>
-                </p:cond>
-              </p:nextCondLst>
-            </p:seq>
-          </p:childTnLst>
-        </p:cTn>
-      </p:par>
-    </p:tnLst>
-  </p:timing>
-</p:sld>
-</file>
-
-<file path=ppt/slides/slide18.xml><?xml version="1.0" encoding="utf-8"?>
-<p:sld xmlns:a="http://schemas.openxmlformats.org/drawingml/2006/main" xmlns:p="http://schemas.openxmlformats.org/presentationml/2006/main" xmlns:r="http://schemas.openxmlformats.org/officeDocument/2006/relationships">
-  <p:cSld>
-    <p:spTree>
-      <p:nvGrpSpPr>
-        <p:cNvPr id="1" name=""/>
-        <p:cNvGrpSpPr/>
-        <p:nvPr/>
-      </p:nvGrpSpPr>
-      <p:grpSpPr>
-        <a:xfrm>
-          <a:off x="0" y="0"/>
-          <a:ext cx="0" cy="0"/>
-          <a:chOff x="0" y="0"/>
-          <a:chExt cx="0" cy="0"/>
-        </a:xfrm>
-      </p:grpSpPr>
-      <p:sp>
-        <p:nvSpPr>
-          <p:cNvPr id="121" name="CustomShape 1"/>
-          <p:cNvSpPr/>
-          <p:nvPr/>
-        </p:nvSpPr>
-        <p:spPr>
-          <a:xfrm>
-            <a:off x="0" y="685800"/>
-            <a:ext cx="9065520" cy="1140840"/>
-          </a:xfrm>
-          <a:prstGeom prst="rect">
-            <a:avLst/>
-          </a:prstGeom>
-          <a:noFill/>
-          <a:ln>
-            <a:noFill/>
-          </a:ln>
-        </p:spPr>
-        <p:style>
-          <a:lnRef idx="0"/>
-          <a:fillRef idx="0"/>
-          <a:effectRef idx="0"/>
-          <a:fontRef idx="minor"/>
-        </p:style>
-        <p:txBody>
-          <a:bodyPr lIns="90000" rIns="90000" tIns="45000" bIns="45000" anchor="ctr"/>
-          <a:p>
-            <a:pPr>
-              <a:lnSpc>
-                <a:spcPct val="100000"/>
-              </a:lnSpc>
-            </a:pPr>
-            <a:r>
-              <a:rPr lang="en-GB" sz="4400" strike="noStrike">
-                <a:solidFill>
-                  <a:srgbClr val="f79646"/>
-                </a:solidFill>
-                <a:latin typeface="Calibri"/>
-                <a:ea typeface="DejaVu Sans"/>
-              </a:rPr>
-              <a:t>	</a:t>
-            </a:r>
-            <a:r>
-              <a:rPr lang="en-GB" sz="4400" strike="noStrike">
-                <a:solidFill>
-                  <a:srgbClr val="f79646"/>
-                </a:solidFill>
-                <a:latin typeface="Calibri"/>
-                <a:ea typeface="DejaVu Sans"/>
-              </a:rPr>
-              <a:t>	</a:t>
-            </a:r>
-            <a:r>
-              <a:rPr lang="en-GB" sz="4400" strike="noStrike">
-                <a:solidFill>
-                  <a:srgbClr val="f79646"/>
-                </a:solidFill>
-                <a:latin typeface="Calibri"/>
-                <a:ea typeface="DejaVu Sans"/>
-              </a:rPr>
-              <a:t>Домашна работа:</a:t>
-            </a:r>
-            <a:endParaRPr/>
-          </a:p>
-        </p:txBody>
-      </p:sp>
-      <p:sp>
-        <p:nvSpPr>
-          <p:cNvPr id="122" name="CustomShape 2"/>
-          <p:cNvSpPr/>
-          <p:nvPr/>
-        </p:nvSpPr>
-        <p:spPr>
-          <a:xfrm>
-            <a:off x="762120" y="2016000"/>
-            <a:ext cx="7846560" cy="3886560"/>
-          </a:xfrm>
-          <a:prstGeom prst="rect">
-            <a:avLst/>
-          </a:prstGeom>
-          <a:noFill/>
-          <a:ln>
-            <a:noFill/>
-          </a:ln>
-        </p:spPr>
-        <p:style>
-          <a:lnRef idx="0"/>
-          <a:fillRef idx="0"/>
-          <a:effectRef idx="0"/>
-          <a:fontRef idx="minor"/>
-        </p:style>
-      </p:sp>
-      <p:sp>
-        <p:nvSpPr>
-          <p:cNvPr id="123" name="CustomShape 3"/>
-          <p:cNvSpPr/>
-          <p:nvPr/>
-        </p:nvSpPr>
-        <p:spPr>
-          <a:xfrm>
-            <a:off x="361080" y="1872000"/>
-            <a:ext cx="8854200" cy="3070440"/>
-          </a:xfrm>
-          <a:prstGeom prst="rect">
-            <a:avLst/>
-          </a:prstGeom>
-          <a:noFill/>
-          <a:ln>
-            <a:noFill/>
-          </a:ln>
-        </p:spPr>
-        <p:style>
-          <a:lnRef idx="0"/>
-          <a:fillRef idx="0"/>
-          <a:effectRef idx="0"/>
-          <a:fontRef idx="minor"/>
-        </p:style>
-        <p:txBody>
-          <a:bodyPr lIns="90000" rIns="90000" tIns="45000" bIns="45000"/>
-          <a:p>
-            <a:pPr>
-              <a:lnSpc>
-                <a:spcPct val="100000"/>
-              </a:lnSpc>
-              <a:buSzPct val="45000"/>
-              <a:buFont typeface="StarSymbol"/>
-              <a:buChar char="l"/>
-            </a:pPr>
-            <a:r>
-              <a:rPr lang="en-GB" sz="3200" strike="noStrike">
-                <a:solidFill>
-                  <a:srgbClr val="f2f2f2"/>
-                </a:solidFill>
-                <a:latin typeface="Calibri"/>
-                <a:ea typeface="DejaVu Sans"/>
-              </a:rPr>
-              <a:t>Проверете в Google “worst software bugs”.</a:t>
-            </a:r>
-            <a:endParaRPr/>
-          </a:p>
-          <a:p>
-            <a:pPr>
-              <a:lnSpc>
-                <a:spcPct val="100000"/>
-              </a:lnSpc>
-              <a:buSzPct val="45000"/>
-              <a:buFont typeface="StarSymbol"/>
-              <a:buChar char="l"/>
-            </a:pPr>
-            <a:r>
-              <a:rPr lang="en-GB" sz="3200" strike="noStrike">
-                <a:solidFill>
-                  <a:srgbClr val="f2f2f2"/>
-                </a:solidFill>
-                <a:latin typeface="Calibri"/>
-                <a:ea typeface="DejaVu Sans"/>
-              </a:rPr>
-              <a:t>Намерете 3 бъга по-ваше желание, и преценете кои от седемте принципа на тестването биха могли да доведат до тяхното допускане.</a:t>
-            </a:r>
-            <a:endParaRPr/>
-          </a:p>
-          <a:p>
-            <a:pPr>
-              <a:lnSpc>
-                <a:spcPct val="100000"/>
-              </a:lnSpc>
-            </a:pPr>
-            <a:endParaRPr/>
-          </a:p>
-        </p:txBody>
-      </p:sp>
-    </p:spTree>
-  </p:cSld>
-  <p:timing>
-    <p:tnLst>
-      <p:par>
-        <p:cTn id="35" dur="indefinite" restart="never" nodeType="tmRoot">
-          <p:childTnLst>
-            <p:seq>
-              <p:cTn id="36" nodeType="mainSeq"/>
               <p:prevCondLst>
                 <p:cond delay="0" evt="onPrev">
                   <p:tgtEl>
@@ -4997,7 +4776,7 @@
         <p:spPr>
           <a:xfrm>
             <a:off x="0" y="685800"/>
-            <a:ext cx="9065520" cy="1140840"/>
+            <a:ext cx="9065160" cy="1140480"/>
           </a:xfrm>
           <a:prstGeom prst="rect">
             <a:avLst/>
@@ -5044,7 +4823,7 @@
         <p:spPr>
           <a:xfrm>
             <a:off x="762120" y="2016000"/>
-            <a:ext cx="7846560" cy="3886560"/>
+            <a:ext cx="7846200" cy="3886200"/>
           </a:xfrm>
           <a:prstGeom prst="rect">
             <a:avLst/>
@@ -5175,7 +4954,7 @@
         <p:spPr>
           <a:xfrm>
             <a:off x="6192000" y="3168000"/>
-            <a:ext cx="2534040" cy="1870560"/>
+            <a:ext cx="2533680" cy="1870200"/>
           </a:xfrm>
           <a:prstGeom prst="rect">
             <a:avLst/>
@@ -5243,7 +5022,7 @@
         <p:spPr>
           <a:xfrm>
             <a:off x="0" y="685800"/>
-            <a:ext cx="9065520" cy="1140840"/>
+            <a:ext cx="9065160" cy="1140480"/>
           </a:xfrm>
           <a:prstGeom prst="rect">
             <a:avLst/>
@@ -5290,7 +5069,7 @@
         <p:spPr>
           <a:xfrm>
             <a:off x="762120" y="2016000"/>
-            <a:ext cx="7846560" cy="3886560"/>
+            <a:ext cx="7846200" cy="3886200"/>
           </a:xfrm>
           <a:prstGeom prst="rect">
             <a:avLst/>
@@ -5449,7 +5228,7 @@
         <p:spPr>
           <a:xfrm>
             <a:off x="5472000" y="3168000"/>
-            <a:ext cx="3094560" cy="2374560"/>
+            <a:ext cx="3094200" cy="2374200"/>
           </a:xfrm>
           <a:prstGeom prst="rect">
             <a:avLst/>
@@ -5517,7 +5296,7 @@
         <p:spPr>
           <a:xfrm>
             <a:off x="0" y="685800"/>
-            <a:ext cx="9065520" cy="1140840"/>
+            <a:ext cx="9065160" cy="1140480"/>
           </a:xfrm>
           <a:prstGeom prst="rect">
             <a:avLst/>
@@ -5564,7 +5343,7 @@
         <p:spPr>
           <a:xfrm>
             <a:off x="762120" y="2016000"/>
-            <a:ext cx="7846560" cy="3886560"/>
+            <a:ext cx="7846200" cy="3886200"/>
           </a:xfrm>
           <a:prstGeom prst="rect">
             <a:avLst/>
@@ -5747,7 +5526,7 @@
         <p:spPr>
           <a:xfrm>
             <a:off x="0" y="685800"/>
-            <a:ext cx="9065520" cy="1140840"/>
+            <a:ext cx="9065160" cy="1140480"/>
           </a:xfrm>
           <a:prstGeom prst="rect">
             <a:avLst/>
@@ -5794,7 +5573,7 @@
         <p:spPr>
           <a:xfrm>
             <a:off x="762120" y="2016000"/>
-            <a:ext cx="7846560" cy="3886560"/>
+            <a:ext cx="7846200" cy="3886200"/>
           </a:xfrm>
           <a:prstGeom prst="rect">
             <a:avLst/>
@@ -5977,7 +5756,7 @@
         <p:spPr>
           <a:xfrm>
             <a:off x="0" y="685800"/>
-            <a:ext cx="9065520" cy="1140840"/>
+            <a:ext cx="9065160" cy="1140480"/>
           </a:xfrm>
           <a:prstGeom prst="rect">
             <a:avLst/>
@@ -6034,7 +5813,7 @@
         <p:spPr>
           <a:xfrm>
             <a:off x="762120" y="2016000"/>
-            <a:ext cx="7846560" cy="3886560"/>
+            <a:ext cx="7846200" cy="3886200"/>
           </a:xfrm>
           <a:prstGeom prst="rect">
             <a:avLst/>
@@ -6096,7 +5875,7 @@
         <p:spPr>
           <a:xfrm>
             <a:off x="5904000" y="4248000"/>
-            <a:ext cx="2879280" cy="2231280"/>
+            <a:ext cx="2878920" cy="2230920"/>
           </a:xfrm>
           <a:prstGeom prst="rect">
             <a:avLst/>
@@ -6164,7 +5943,7 @@
         <p:spPr>
           <a:xfrm>
             <a:off x="0" y="685800"/>
-            <a:ext cx="9065520" cy="1140840"/>
+            <a:ext cx="9065160" cy="1140480"/>
           </a:xfrm>
           <a:prstGeom prst="rect">
             <a:avLst/>
@@ -6231,7 +6010,7 @@
         <p:spPr>
           <a:xfrm>
             <a:off x="762120" y="2016000"/>
-            <a:ext cx="7846560" cy="3886560"/>
+            <a:ext cx="7846200" cy="3886200"/>
           </a:xfrm>
           <a:prstGeom prst="rect">
             <a:avLst/>
@@ -6285,7 +6064,7 @@
         <p:spPr>
           <a:xfrm>
             <a:off x="5256000" y="4032000"/>
-            <a:ext cx="3023280" cy="2087280"/>
+            <a:ext cx="3022920" cy="2086920"/>
           </a:xfrm>
           <a:prstGeom prst="rect">
             <a:avLst/>
@@ -6353,7 +6132,7 @@
         <p:spPr>
           <a:xfrm>
             <a:off x="0" y="685800"/>
-            <a:ext cx="9065520" cy="1140840"/>
+            <a:ext cx="9065160" cy="1140480"/>
           </a:xfrm>
           <a:prstGeom prst="rect">
             <a:avLst/>
@@ -6420,7 +6199,7 @@
         <p:spPr>
           <a:xfrm>
             <a:off x="762120" y="2016000"/>
-            <a:ext cx="7846560" cy="3886560"/>
+            <a:ext cx="7846200" cy="3886200"/>
           </a:xfrm>
           <a:prstGeom prst="rect">
             <a:avLst/>
@@ -6446,7 +6225,7 @@
         <p:spPr>
           <a:xfrm>
             <a:off x="720000" y="1889640"/>
-            <a:ext cx="9142200" cy="4064040"/>
+            <a:ext cx="9141840" cy="4063680"/>
           </a:xfrm>
           <a:prstGeom prst="rect">
             <a:avLst/>
@@ -6645,7 +6424,7 @@
         <p:spPr>
           <a:xfrm>
             <a:off x="0" y="685800"/>
-            <a:ext cx="9065520" cy="1140840"/>
+            <a:ext cx="9065160" cy="1140480"/>
           </a:xfrm>
           <a:prstGeom prst="rect">
             <a:avLst/>
@@ -6712,7 +6491,7 @@
         <p:spPr>
           <a:xfrm>
             <a:off x="762120" y="2016000"/>
-            <a:ext cx="7846560" cy="3886560"/>
+            <a:ext cx="7846200" cy="3886200"/>
           </a:xfrm>
           <a:prstGeom prst="rect">
             <a:avLst/>
@@ -6738,7 +6517,7 @@
         <p:spPr>
           <a:xfrm>
             <a:off x="361080" y="1872000"/>
-            <a:ext cx="8854200" cy="3567240"/>
+            <a:ext cx="8853840" cy="3566880"/>
           </a:xfrm>
           <a:prstGeom prst="rect">
             <a:avLst/>
